--- a/2_Backpropagation.pptx
+++ b/2_Backpropagation.pptx
@@ -166,7 +166,7 @@
 <file path=ppt/revisionInfo.xml><?xml version="1.0" encoding="utf-8"?>
 <p1510:revInfo xmlns:a="http://schemas.openxmlformats.org/drawingml/2006/main" xmlns:r="http://schemas.openxmlformats.org/officeDocument/2006/relationships" xmlns:p1510="http://schemas.microsoft.com/office/powerpoint/2015/10/main">
   <p1510:revLst>
-    <p1510:client id="{FB165814-52C3-4961-92B2-1F172410F904}" v="7" dt="2025-09-02T19:39:39.841"/>
+    <p1510:client id="{FB165814-52C3-4961-92B2-1F172410F904}" v="8" dt="2025-09-04T04:50:18.873"/>
   </p1510:revLst>
 </p1510:revInfo>
 </file>
@@ -175,11 +175,26 @@
 <pc:chgInfo xmlns:a="http://schemas.openxmlformats.org/drawingml/2006/main" xmlns:r="http://schemas.openxmlformats.org/officeDocument/2006/relationships" xmlns:ac="http://schemas.microsoft.com/office/drawing/2013/main/command" xmlns:pc="http://schemas.microsoft.com/office/powerpoint/2013/main/command">
   <pc:docChgLst>
     <pc:chgData name="Israel Trejo" userId="94abe8331a44785d" providerId="LiveId" clId="{FB165814-52C3-4961-92B2-1F172410F904}"/>
-    <pc:docChg chg="modSld sldOrd">
-      <pc:chgData name="Israel Trejo" userId="94abe8331a44785d" providerId="LiveId" clId="{FB165814-52C3-4961-92B2-1F172410F904}" dt="2025-09-02T19:41:40.873" v="15"/>
+    <pc:docChg chg="undo custSel modSld sldOrd">
+      <pc:chgData name="Israel Trejo" userId="94abe8331a44785d" providerId="LiveId" clId="{FB165814-52C3-4961-92B2-1F172410F904}" dt="2025-09-04T04:50:20.975" v="33" actId="1076"/>
       <pc:docMkLst>
         <pc:docMk/>
       </pc:docMkLst>
+      <pc:sldChg chg="modSp mod">
+        <pc:chgData name="Israel Trejo" userId="94abe8331a44785d" providerId="LiveId" clId="{FB165814-52C3-4961-92B2-1F172410F904}" dt="2025-09-04T03:12:59.123" v="18" actId="20577"/>
+        <pc:sldMkLst>
+          <pc:docMk/>
+          <pc:sldMk cId="3596885048" sldId="266"/>
+        </pc:sldMkLst>
+        <pc:spChg chg="mod">
+          <ac:chgData name="Israel Trejo" userId="94abe8331a44785d" providerId="LiveId" clId="{FB165814-52C3-4961-92B2-1F172410F904}" dt="2025-09-04T03:12:59.123" v="18" actId="20577"/>
+          <ac:spMkLst>
+            <pc:docMk/>
+            <pc:sldMk cId="3596885048" sldId="266"/>
+            <ac:spMk id="3" creationId="{88FDA572-0481-F839-2701-DF7FA2CC709E}"/>
+          </ac:spMkLst>
+        </pc:spChg>
+      </pc:sldChg>
       <pc:sldChg chg="modSp mod">
         <pc:chgData name="Israel Trejo" userId="94abe8331a44785d" providerId="LiveId" clId="{FB165814-52C3-4961-92B2-1F172410F904}" dt="2025-09-02T19:39:48.289" v="9" actId="1076"/>
         <pc:sldMkLst>
@@ -202,6 +217,51 @@
             <ac:picMk id="3074" creationId="{79C05C7F-23A8-EEBC-A147-975BA3625DFB}"/>
           </ac:picMkLst>
         </pc:picChg>
+      </pc:sldChg>
+      <pc:sldChg chg="modSp mod">
+        <pc:chgData name="Israel Trejo" userId="94abe8331a44785d" providerId="LiveId" clId="{FB165814-52C3-4961-92B2-1F172410F904}" dt="2025-09-04T04:48:34.584" v="29" actId="1076"/>
+        <pc:sldMkLst>
+          <pc:docMk/>
+          <pc:sldMk cId="2756267194" sldId="279"/>
+        </pc:sldMkLst>
+        <pc:spChg chg="mod">
+          <ac:chgData name="Israel Trejo" userId="94abe8331a44785d" providerId="LiveId" clId="{FB165814-52C3-4961-92B2-1F172410F904}" dt="2025-09-04T04:48:34.584" v="29" actId="1076"/>
+          <ac:spMkLst>
+            <pc:docMk/>
+            <pc:sldMk cId="2756267194" sldId="279"/>
+            <ac:spMk id="3" creationId="{63841C7E-2704-341B-D227-A96F455305FB}"/>
+          </ac:spMkLst>
+        </pc:spChg>
+      </pc:sldChg>
+      <pc:sldChg chg="modSp mod">
+        <pc:chgData name="Israel Trejo" userId="94abe8331a44785d" providerId="LiveId" clId="{FB165814-52C3-4961-92B2-1F172410F904}" dt="2025-09-04T04:50:20.975" v="33" actId="1076"/>
+        <pc:sldMkLst>
+          <pc:docMk/>
+          <pc:sldMk cId="546244525" sldId="283"/>
+        </pc:sldMkLst>
+        <pc:spChg chg="mod">
+          <ac:chgData name="Israel Trejo" userId="94abe8331a44785d" providerId="LiveId" clId="{FB165814-52C3-4961-92B2-1F172410F904}" dt="2025-09-04T04:50:20.975" v="33" actId="1076"/>
+          <ac:spMkLst>
+            <pc:docMk/>
+            <pc:sldMk cId="546244525" sldId="283"/>
+            <ac:spMk id="3" creationId="{1FE194F5-85F5-131F-9A19-11C119C8F378}"/>
+          </ac:spMkLst>
+        </pc:spChg>
+      </pc:sldChg>
+      <pc:sldChg chg="modSp mod">
+        <pc:chgData name="Israel Trejo" userId="94abe8331a44785d" providerId="LiveId" clId="{FB165814-52C3-4961-92B2-1F172410F904}" dt="2025-09-04T04:32:30.720" v="27" actId="1076"/>
+        <pc:sldMkLst>
+          <pc:docMk/>
+          <pc:sldMk cId="3299368368" sldId="286"/>
+        </pc:sldMkLst>
+        <pc:spChg chg="mod">
+          <ac:chgData name="Israel Trejo" userId="94abe8331a44785d" providerId="LiveId" clId="{FB165814-52C3-4961-92B2-1F172410F904}" dt="2025-09-04T04:32:30.720" v="27" actId="1076"/>
+          <ac:spMkLst>
+            <pc:docMk/>
+            <pc:sldMk cId="3299368368" sldId="286"/>
+            <ac:spMk id="8" creationId="{5B1C4040-5E3C-42DB-6B1D-16990755B8A2}"/>
+          </ac:spMkLst>
+        </pc:spChg>
       </pc:sldChg>
       <pc:sldChg chg="ord">
         <pc:chgData name="Israel Trejo" userId="94abe8331a44785d" providerId="LiveId" clId="{FB165814-52C3-4961-92B2-1F172410F904}" dt="2025-09-02T19:41:36.615" v="11"/>
@@ -304,7 +364,7 @@
           <a:p>
             <a:fld id="{CABDA04E-C178-4B28-BF13-C2E9DEFDCAD0}" type="datetimeFigureOut">
               <a:rPr lang="en-US" smtClean="0"/>
-              <a:t>9/2/2025</a:t>
+              <a:t>9/3/2025</a:t>
             </a:fld>
             <a:endParaRPr lang="en-US"/>
           </a:p>
@@ -1618,7 +1678,7 @@
           <a:p>
             <a:fld id="{5BCAD085-E8A6-8845-BD4E-CB4CCA059FC4}" type="datetimeFigureOut">
               <a:rPr lang="en-US" smtClean="0"/>
-              <a:t>9/2/2025</a:t>
+              <a:t>9/3/2025</a:t>
             </a:fld>
             <a:endParaRPr lang="en-US"/>
           </a:p>
@@ -1786,7 +1846,7 @@
           <a:p>
             <a:fld id="{5BCAD085-E8A6-8845-BD4E-CB4CCA059FC4}" type="datetimeFigureOut">
               <a:rPr lang="en-US" smtClean="0"/>
-              <a:t>9/2/2025</a:t>
+              <a:t>9/3/2025</a:t>
             </a:fld>
             <a:endParaRPr lang="en-US"/>
           </a:p>
@@ -1964,7 +2024,7 @@
           <a:p>
             <a:fld id="{5BCAD085-E8A6-8845-BD4E-CB4CCA059FC4}" type="datetimeFigureOut">
               <a:rPr lang="en-US" smtClean="0"/>
-              <a:t>9/2/2025</a:t>
+              <a:t>9/3/2025</a:t>
             </a:fld>
             <a:endParaRPr lang="en-US"/>
           </a:p>
@@ -2132,7 +2192,7 @@
           <a:p>
             <a:fld id="{5BCAD085-E8A6-8845-BD4E-CB4CCA059FC4}" type="datetimeFigureOut">
               <a:rPr lang="en-US" smtClean="0"/>
-              <a:t>9/2/2025</a:t>
+              <a:t>9/3/2025</a:t>
             </a:fld>
             <a:endParaRPr lang="en-US"/>
           </a:p>
@@ -2377,7 +2437,7 @@
           <a:p>
             <a:fld id="{5BCAD085-E8A6-8845-BD4E-CB4CCA059FC4}" type="datetimeFigureOut">
               <a:rPr lang="en-US" smtClean="0"/>
-              <a:t>9/2/2025</a:t>
+              <a:t>9/3/2025</a:t>
             </a:fld>
             <a:endParaRPr lang="en-US"/>
           </a:p>
@@ -2662,7 +2722,7 @@
           <a:p>
             <a:fld id="{5BCAD085-E8A6-8845-BD4E-CB4CCA059FC4}" type="datetimeFigureOut">
               <a:rPr lang="en-US" smtClean="0"/>
-              <a:t>9/2/2025</a:t>
+              <a:t>9/3/2025</a:t>
             </a:fld>
             <a:endParaRPr lang="en-US"/>
           </a:p>
@@ -3081,7 +3141,7 @@
           <a:p>
             <a:fld id="{5BCAD085-E8A6-8845-BD4E-CB4CCA059FC4}" type="datetimeFigureOut">
               <a:rPr lang="en-US" smtClean="0"/>
-              <a:t>9/2/2025</a:t>
+              <a:t>9/3/2025</a:t>
             </a:fld>
             <a:endParaRPr lang="en-US"/>
           </a:p>
@@ -3198,7 +3258,7 @@
           <a:p>
             <a:fld id="{5BCAD085-E8A6-8845-BD4E-CB4CCA059FC4}" type="datetimeFigureOut">
               <a:rPr lang="en-US" smtClean="0"/>
-              <a:t>9/2/2025</a:t>
+              <a:t>9/3/2025</a:t>
             </a:fld>
             <a:endParaRPr lang="en-US"/>
           </a:p>
@@ -3293,7 +3353,7 @@
           <a:p>
             <a:fld id="{5BCAD085-E8A6-8845-BD4E-CB4CCA059FC4}" type="datetimeFigureOut">
               <a:rPr lang="en-US" smtClean="0"/>
-              <a:t>9/2/2025</a:t>
+              <a:t>9/3/2025</a:t>
             </a:fld>
             <a:endParaRPr lang="en-US"/>
           </a:p>
@@ -3568,7 +3628,7 @@
           <a:p>
             <a:fld id="{5BCAD085-E8A6-8845-BD4E-CB4CCA059FC4}" type="datetimeFigureOut">
               <a:rPr lang="en-US" smtClean="0"/>
-              <a:t>9/2/2025</a:t>
+              <a:t>9/3/2025</a:t>
             </a:fld>
             <a:endParaRPr lang="en-US"/>
           </a:p>
@@ -3820,7 +3880,7 @@
           <a:p>
             <a:fld id="{5BCAD085-E8A6-8845-BD4E-CB4CCA059FC4}" type="datetimeFigureOut">
               <a:rPr lang="en-US" smtClean="0"/>
-              <a:t>9/2/2025</a:t>
+              <a:t>9/3/2025</a:t>
             </a:fld>
             <a:endParaRPr lang="en-US"/>
           </a:p>
@@ -4031,7 +4091,7 @@
           <a:p>
             <a:fld id="{5BCAD085-E8A6-8845-BD4E-CB4CCA059FC4}" type="datetimeFigureOut">
               <a:rPr lang="en-US" smtClean="0"/>
-              <a:t>9/2/2025</a:t>
+              <a:t>9/3/2025</a:t>
             </a:fld>
             <a:endParaRPr lang="en-US"/>
           </a:p>
@@ -6291,7 +6351,7 @@
           <a:p>
             <a:r>
               <a:rPr lang="pt-BR" dirty="0"/>
-              <a:t>dL/dz = dL/da × da/dz = -0.1 m 78</a:t>
+              <a:t>dL/dz = dL/da × da/dz = -0.178</a:t>
             </a:r>
           </a:p>
           <a:p>
@@ -7060,7 +7120,7 @@
         </p:nvSpPr>
         <p:spPr>
           <a:xfrm>
-            <a:off x="1305289" y="2470974"/>
+            <a:off x="1282710" y="2535540"/>
             <a:ext cx="2750180" cy="1786919"/>
           </a:xfrm>
           <a:prstGeom prst="rect">
@@ -9155,8 +9215,8 @@
         </p:nvSpPr>
         <p:spPr>
           <a:xfrm>
-            <a:off x="554922" y="1496655"/>
-            <a:ext cx="8589078" cy="3970318"/>
+            <a:off x="554922" y="324560"/>
+            <a:ext cx="8589078" cy="6208879"/>
           </a:xfrm>
           <a:prstGeom prst="rect">
             <a:avLst/>
@@ -9168,6 +9228,153 @@
             <a:spAutoFit/>
           </a:bodyPr>
           <a:lstStyle/>
+          <a:p>
+            <a:pPr>
+              <a:lnSpc>
+                <a:spcPct val="115000"/>
+              </a:lnSpc>
+              <a:spcAft>
+                <a:spcPts val="800"/>
+              </a:spcAft>
+            </a:pPr>
+            <a:r>
+              <a:rPr lang="en-US" kern="100" dirty="0">
+                <a:latin typeface="Courier New" panose="02070309020205020404" pitchFamily="49" charset="0"/>
+                <a:ea typeface="Aptos" panose="020B0004020202020204" pitchFamily="34" charset="0"/>
+                <a:cs typeface="Times New Roman" panose="02020603050405020304" pitchFamily="18" charset="0"/>
+              </a:rPr>
+              <a:t># Backpropagation</a:t>
+            </a:r>
+            <a:endParaRPr lang="en-US" kern="100" dirty="0">
+              <a:latin typeface="Aptos" panose="020B0004020202020204" pitchFamily="34" charset="0"/>
+              <a:ea typeface="Aptos" panose="020B0004020202020204" pitchFamily="34" charset="0"/>
+              <a:cs typeface="Times New Roman" panose="02020603050405020304" pitchFamily="18" charset="0"/>
+            </a:endParaRPr>
+          </a:p>
+          <a:p>
+            <a:pPr>
+              <a:lnSpc>
+                <a:spcPct val="115000"/>
+              </a:lnSpc>
+              <a:spcAft>
+                <a:spcPts val="800"/>
+              </a:spcAft>
+            </a:pPr>
+            <a:r>
+              <a:rPr lang="en-US" kern="100" dirty="0">
+                <a:latin typeface="Courier New" panose="02070309020205020404" pitchFamily="49" charset="0"/>
+                <a:ea typeface="Aptos" panose="020B0004020202020204" pitchFamily="34" charset="0"/>
+                <a:cs typeface="Times New Roman" panose="02020603050405020304" pitchFamily="18" charset="0"/>
+              </a:rPr>
+              <a:t>    </a:t>
+            </a:r>
+            <a:r>
+              <a:rPr lang="en-US" kern="100" dirty="0" err="1">
+                <a:latin typeface="Courier New" panose="02070309020205020404" pitchFamily="49" charset="0"/>
+                <a:ea typeface="Aptos" panose="020B0004020202020204" pitchFamily="34" charset="0"/>
+                <a:cs typeface="Times New Roman" panose="02020603050405020304" pitchFamily="18" charset="0"/>
+              </a:rPr>
+              <a:t>d_output</a:t>
+            </a:r>
+            <a:r>
+              <a:rPr lang="en-US" kern="100" dirty="0">
+                <a:latin typeface="Courier New" panose="02070309020205020404" pitchFamily="49" charset="0"/>
+                <a:ea typeface="Aptos" panose="020B0004020202020204" pitchFamily="34" charset="0"/>
+                <a:cs typeface="Times New Roman" panose="02020603050405020304" pitchFamily="18" charset="0"/>
+              </a:rPr>
+              <a:t> =?</a:t>
+            </a:r>
+            <a:endParaRPr lang="en-US" kern="100" dirty="0">
+              <a:latin typeface="Aptos" panose="020B0004020202020204" pitchFamily="34" charset="0"/>
+              <a:ea typeface="Aptos" panose="020B0004020202020204" pitchFamily="34" charset="0"/>
+              <a:cs typeface="Times New Roman" panose="02020603050405020304" pitchFamily="18" charset="0"/>
+            </a:endParaRPr>
+          </a:p>
+          <a:p>
+            <a:pPr>
+              <a:lnSpc>
+                <a:spcPct val="115000"/>
+              </a:lnSpc>
+              <a:spcAft>
+                <a:spcPts val="800"/>
+              </a:spcAft>
+            </a:pPr>
+            <a:r>
+              <a:rPr lang="en-US" kern="100" dirty="0">
+                <a:latin typeface="Courier New" panose="02070309020205020404" pitchFamily="49" charset="0"/>
+                <a:ea typeface="Aptos" panose="020B0004020202020204" pitchFamily="34" charset="0"/>
+                <a:cs typeface="Times New Roman" panose="02020603050405020304" pitchFamily="18" charset="0"/>
+              </a:rPr>
+              <a:t>    </a:t>
+            </a:r>
+            <a:r>
+              <a:rPr lang="en-US" kern="100" dirty="0" err="1">
+                <a:latin typeface="Courier New" panose="02070309020205020404" pitchFamily="49" charset="0"/>
+                <a:ea typeface="Aptos" panose="020B0004020202020204" pitchFamily="34" charset="0"/>
+                <a:cs typeface="Times New Roman" panose="02020603050405020304" pitchFamily="18" charset="0"/>
+              </a:rPr>
+              <a:t>error_hidden</a:t>
+            </a:r>
+            <a:r>
+              <a:rPr lang="en-US" kern="100" dirty="0">
+                <a:latin typeface="Courier New" panose="02070309020205020404" pitchFamily="49" charset="0"/>
+                <a:ea typeface="Aptos" panose="020B0004020202020204" pitchFamily="34" charset="0"/>
+                <a:cs typeface="Times New Roman" panose="02020603050405020304" pitchFamily="18" charset="0"/>
+              </a:rPr>
+              <a:t> = </a:t>
+            </a:r>
+          </a:p>
+          <a:p>
+            <a:pPr>
+              <a:lnSpc>
+                <a:spcPct val="115000"/>
+              </a:lnSpc>
+              <a:spcAft>
+                <a:spcPts val="800"/>
+              </a:spcAft>
+            </a:pPr>
+            <a:r>
+              <a:rPr lang="en-US" kern="100" dirty="0">
+                <a:latin typeface="Courier New" panose="02070309020205020404" pitchFamily="49" charset="0"/>
+                <a:ea typeface="Aptos" panose="020B0004020202020204" pitchFamily="34" charset="0"/>
+                <a:cs typeface="Times New Roman" panose="02020603050405020304" pitchFamily="18" charset="0"/>
+              </a:rPr>
+              <a:t>    </a:t>
+            </a:r>
+            <a:r>
+              <a:rPr lang="en-US" kern="100" dirty="0" err="1">
+                <a:latin typeface="Courier New" panose="02070309020205020404" pitchFamily="49" charset="0"/>
+                <a:ea typeface="Aptos" panose="020B0004020202020204" pitchFamily="34" charset="0"/>
+                <a:cs typeface="Times New Roman" panose="02020603050405020304" pitchFamily="18" charset="0"/>
+              </a:rPr>
+              <a:t>d_hidden</a:t>
+            </a:r>
+            <a:r>
+              <a:rPr lang="en-US" kern="100" dirty="0">
+                <a:latin typeface="Courier New" panose="02070309020205020404" pitchFamily="49" charset="0"/>
+                <a:ea typeface="Aptos" panose="020B0004020202020204" pitchFamily="34" charset="0"/>
+                <a:cs typeface="Times New Roman" panose="02020603050405020304" pitchFamily="18" charset="0"/>
+              </a:rPr>
+              <a:t> =</a:t>
+            </a:r>
+            <a:endParaRPr lang="en-US" kern="100" dirty="0">
+              <a:latin typeface="Aptos" panose="020B0004020202020204" pitchFamily="34" charset="0"/>
+              <a:ea typeface="Aptos" panose="020B0004020202020204" pitchFamily="34" charset="0"/>
+              <a:cs typeface="Times New Roman" panose="02020603050405020304" pitchFamily="18" charset="0"/>
+            </a:endParaRPr>
+          </a:p>
+          <a:p>
+            <a:endParaRPr lang="en-US" kern="100" dirty="0">
+              <a:latin typeface="Courier New" panose="02070309020205020404" pitchFamily="49" charset="0"/>
+              <a:cs typeface="Times New Roman" panose="02020603050405020304" pitchFamily="18" charset="0"/>
+            </a:endParaRPr>
+          </a:p>
+          <a:p>
+            <a:endParaRPr lang="en-US" kern="100" dirty="0">
+              <a:latin typeface="Courier New" panose="02070309020205020404" pitchFamily="49" charset="0"/>
+              <a:cs typeface="Times New Roman" panose="02020603050405020304" pitchFamily="18" charset="0"/>
+            </a:endParaRPr>
+          </a:p>
           <a:p>
             <a:r>
               <a:rPr lang="en-US" kern="100" dirty="0">
